--- a/updates/monthly briefing.pptx
+++ b/updates/monthly briefing.pptx
@@ -5,13 +5,14 @@
     <p:sldMasterId id="2147483648" r:id="rId1"/>
   </p:sldMasterIdLst>
   <p:notesMasterIdLst>
-    <p:notesMasterId r:id="rId3"/>
+    <p:notesMasterId r:id="rId4"/>
   </p:notesMasterIdLst>
   <p:handoutMasterIdLst>
-    <p:handoutMasterId r:id="rId4"/>
+    <p:handoutMasterId r:id="rId5"/>
   </p:handoutMasterIdLst>
   <p:sldIdLst>
     <p:sldId id="343" r:id="rId2"/>
+    <p:sldId id="344" r:id="rId3"/>
   </p:sldIdLst>
   <p:sldSz cx="12192000" cy="6858000"/>
   <p:notesSz cx="6858000" cy="9144000"/>
@@ -654,7 +655,7 @@
           <a:p>
             <a:fld id="{15CBCB9E-4686-42C2-8C94-4194A3E02D2B}" type="datetimeFigureOut">
               <a:rPr lang="zh-CN" altLang="en-US" smtClean="0"/>
-              <a:t>2021/7/6</a:t>
+              <a:t>2021/8/3</a:t>
             </a:fld>
             <a:endParaRPr lang="zh-CN" altLang="en-US"/>
           </a:p>
@@ -832,7 +833,7 @@
           <a:p>
             <a:fld id="{DAF7020D-062E-41BC-A699-A7B3427D8CC2}" type="datetimeFigureOut">
               <a:rPr lang="zh-CN" altLang="en-US" smtClean="0"/>
-              <a:t>2021/7/6</a:t>
+              <a:t>2021/8/3</a:t>
             </a:fld>
             <a:endParaRPr lang="zh-CN" altLang="en-US"/>
           </a:p>
@@ -1247,6 +1248,115 @@
 </p:notes>
 </file>
 
+<file path=ppt/notesSlides/notesSlide2.xml><?xml version="1.0" encoding="utf-8"?>
+<p:notes xmlns:a="http://schemas.openxmlformats.org/drawingml/2006/main" xmlns:r="http://schemas.openxmlformats.org/officeDocument/2006/relationships" xmlns:p="http://schemas.openxmlformats.org/presentationml/2006/main">
+  <p:cSld>
+    <p:spTree>
+      <p:nvGrpSpPr>
+        <p:cNvPr id="1" name=""/>
+        <p:cNvGrpSpPr/>
+        <p:nvPr/>
+      </p:nvGrpSpPr>
+      <p:grpSpPr>
+        <a:xfrm>
+          <a:off x="0" y="0"/>
+          <a:ext cx="0" cy="0"/>
+          <a:chOff x="0" y="0"/>
+          <a:chExt cx="0" cy="0"/>
+        </a:xfrm>
+      </p:grpSpPr>
+      <p:sp>
+        <p:nvSpPr>
+          <p:cNvPr id="2" name="Slide Image Placeholder 1"/>
+          <p:cNvSpPr>
+            <a:spLocks noGrp="1" noRot="1" noChangeAspect="1"/>
+          </p:cNvSpPr>
+          <p:nvPr>
+            <p:ph type="sldImg"/>
+          </p:nvPr>
+        </p:nvSpPr>
+        <p:spPr/>
+      </p:sp>
+      <p:sp>
+        <p:nvSpPr>
+          <p:cNvPr id="3" name="Notes Placeholder 2"/>
+          <p:cNvSpPr>
+            <a:spLocks noGrp="1"/>
+          </p:cNvSpPr>
+          <p:nvPr>
+            <p:ph type="body" idx="1"/>
+          </p:nvPr>
+        </p:nvSpPr>
+        <p:spPr/>
+        <p:txBody>
+          <a:bodyPr/>
+          <a:lstStyle/>
+          <a:p>
+            <a:r>
+              <a:rPr lang="en-US" altLang="zh-CN"/>
+              <a:t>Hi everyone, last month I mainly worked on the implementation of normalizing flow.</a:t>
+            </a:r>
+          </a:p>
+          <a:p>
+            <a:r>
+              <a:rPr lang="en-US" altLang="zh-CN"/>
+              <a:t>I first, … then I … and …</a:t>
+            </a:r>
+          </a:p>
+          <a:p>
+            <a:endParaRPr lang="en-US" altLang="zh-CN"/>
+          </a:p>
+          <a:p>
+            <a:r>
+              <a:rPr lang="en-US" altLang="zh-CN"/>
+              <a:t>Here are my key findings, …, and ….</a:t>
+            </a:r>
+          </a:p>
+          <a:p>
+            <a:r>
+              <a:rPr lang="en-US" altLang="zh-CN"/>
+              <a:t>Right now I’m …, and after that I will  </a:t>
+            </a:r>
+            <a:endParaRPr lang="zh-CN" altLang="en-US"/>
+          </a:p>
+        </p:txBody>
+      </p:sp>
+      <p:sp>
+        <p:nvSpPr>
+          <p:cNvPr id="4" name="Slide Number Placeholder 3"/>
+          <p:cNvSpPr>
+            <a:spLocks noGrp="1"/>
+          </p:cNvSpPr>
+          <p:nvPr>
+            <p:ph type="sldNum" sz="quarter" idx="5"/>
+          </p:nvPr>
+        </p:nvSpPr>
+        <p:spPr/>
+        <p:txBody>
+          <a:bodyPr/>
+          <a:lstStyle/>
+          <a:p>
+            <a:fld id="{85A48CC1-E4FE-424E-8EC0-F8635A798222}" type="slidenum">
+              <a:rPr lang="zh-CN" altLang="en-US" smtClean="0"/>
+              <a:t>1</a:t>
+            </a:fld>
+            <a:endParaRPr lang="zh-CN" altLang="en-US"/>
+          </a:p>
+        </p:txBody>
+      </p:sp>
+    </p:spTree>
+    <p:extLst>
+      <p:ext uri="{BB962C8B-B14F-4D97-AF65-F5344CB8AC3E}">
+        <p14:creationId xmlns:p14="http://schemas.microsoft.com/office/powerpoint/2010/main" val="633156788"/>
+      </p:ext>
+    </p:extLst>
+  </p:cSld>
+  <p:clrMapOvr>
+    <a:masterClrMapping/>
+  </p:clrMapOvr>
+</p:notes>
+</file>
+
 <file path=ppt/slideLayouts/slideLayout1.xml><?xml version="1.0" encoding="utf-8"?>
 <p:sldLayout xmlns:a="http://schemas.openxmlformats.org/drawingml/2006/main" xmlns:r="http://schemas.openxmlformats.org/officeDocument/2006/relationships" xmlns:p="http://schemas.openxmlformats.org/presentationml/2006/main" preserve="1" userDrawn="1">
   <p:cSld name="标题幻灯片">
@@ -1604,7 +1714,7 @@
           <a:p>
             <a:fld id="{9526F0DF-4F7D-45BB-8031-9F31D689A563}" type="datetime1">
               <a:rPr lang="zh-CN" altLang="en-US" smtClean="0"/>
-              <a:t>2021/7/6</a:t>
+              <a:t>2021/8/3</a:t>
             </a:fld>
             <a:endParaRPr lang="zh-CN" altLang="en-US"/>
           </a:p>
@@ -1920,7 +2030,7 @@
           <a:p>
             <a:fld id="{EEA1DC77-00A0-464D-B8C9-5C6548747175}" type="datetime1">
               <a:rPr lang="zh-CN" altLang="en-US" smtClean="0"/>
-              <a:t>2021/7/6</a:t>
+              <a:t>2021/8/3</a:t>
             </a:fld>
             <a:endParaRPr lang="zh-CN" altLang="en-US"/>
           </a:p>
@@ -2212,7 +2322,7 @@
           <a:p>
             <a:fld id="{E35A4A95-1258-44CF-BB30-0A44978B7FDD}" type="datetime1">
               <a:rPr lang="zh-CN" altLang="en-US" smtClean="0"/>
-              <a:t>2021/7/6</a:t>
+              <a:t>2021/8/3</a:t>
             </a:fld>
             <a:endParaRPr lang="zh-CN" altLang="en-US"/>
           </a:p>
@@ -2414,7 +2524,7 @@
           <a:p>
             <a:fld id="{F240270F-30DA-4AA2-A8F1-1F8794956E53}" type="datetime1">
               <a:rPr lang="zh-CN" altLang="en-US" smtClean="0"/>
-              <a:t>2021/7/6</a:t>
+              <a:t>2021/8/3</a:t>
             </a:fld>
             <a:endParaRPr lang="zh-CN" altLang="en-US"/>
           </a:p>
@@ -2626,7 +2736,7 @@
           <a:p>
             <a:fld id="{E03DA1DA-60C1-4500-A6B7-86425CD1E958}" type="datetime1">
               <a:rPr lang="zh-CN" altLang="en-US" smtClean="0"/>
-              <a:t>2021/7/6</a:t>
+              <a:t>2021/8/3</a:t>
             </a:fld>
             <a:endParaRPr lang="zh-CN" altLang="en-US"/>
           </a:p>
@@ -2955,7 +3065,7 @@
           <a:p>
             <a:fld id="{CB4AE09D-3589-47A6-8E15-1B2517220F81}" type="datetime1">
               <a:rPr lang="zh-CN" altLang="en-US" smtClean="0"/>
-              <a:t>2021/7/6</a:t>
+              <a:t>2021/8/3</a:t>
             </a:fld>
             <a:endParaRPr lang="zh-CN" altLang="en-US"/>
           </a:p>
@@ -3390,7 +3500,7 @@
           <a:p>
             <a:fld id="{D5AD736E-CB6A-4B61-9AFD-177BD209CA76}" type="datetime1">
               <a:rPr lang="zh-CN" altLang="en-US" smtClean="0"/>
-              <a:t>2021/7/6</a:t>
+              <a:t>2021/8/3</a:t>
             </a:fld>
             <a:endParaRPr lang="zh-CN" altLang="en-US"/>
           </a:p>
@@ -3720,7 +3830,7 @@
           <a:p>
             <a:fld id="{9B28CCFD-DF15-4082-8AFA-91AE4CC6C79E}" type="datetime1">
               <a:rPr lang="zh-CN" altLang="en-US" smtClean="0"/>
-              <a:t>2021/7/6</a:t>
+              <a:t>2021/8/3</a:t>
             </a:fld>
             <a:endParaRPr lang="zh-CN" altLang="en-US"/>
           </a:p>
@@ -4000,7 +4110,7 @@
           <a:p>
             <a:fld id="{8ACCD399-DC94-480F-85C2-A7E6597740B5}" type="datetime1">
               <a:rPr lang="zh-CN" altLang="en-US" smtClean="0"/>
-              <a:t>2021/7/6</a:t>
+              <a:t>2021/8/3</a:t>
             </a:fld>
             <a:endParaRPr lang="zh-CN" altLang="en-US"/>
           </a:p>
@@ -4270,7 +4380,7 @@
           <a:p>
             <a:fld id="{241E1B88-A856-49B1-AD5B-08F0C4D9A985}" type="datetime1">
               <a:rPr lang="zh-CN" altLang="en-US" smtClean="0"/>
-              <a:t>2021/7/6</a:t>
+              <a:t>2021/8/3</a:t>
             </a:fld>
             <a:endParaRPr lang="zh-CN" altLang="en-US"/>
           </a:p>
@@ -4686,7 +4796,7 @@
           <a:p>
             <a:fld id="{5518B46C-EA3D-4817-9A43-8700996DCE0C}" type="datetime1">
               <a:rPr lang="zh-CN" altLang="en-US" smtClean="0"/>
-              <a:t>2021/7/6</a:t>
+              <a:t>2021/8/3</a:t>
             </a:fld>
             <a:endParaRPr lang="zh-CN" altLang="en-US"/>
           </a:p>
@@ -4831,7 +4941,7 @@
           <a:p>
             <a:fld id="{0A13A69B-604B-4517-97AD-C3A3F4930BFA}" type="datetime1">
               <a:rPr lang="zh-CN" altLang="en-US" smtClean="0"/>
-              <a:t>2021/7/6</a:t>
+              <a:t>2021/8/3</a:t>
             </a:fld>
             <a:endParaRPr lang="zh-CN" altLang="en-US"/>
           </a:p>
@@ -4948,7 +5058,7 @@
           <a:p>
             <a:fld id="{B2ED270F-A2B7-43F3-BE9C-CFCBA29B2974}" type="datetime1">
               <a:rPr lang="zh-CN" altLang="en-US" smtClean="0"/>
-              <a:t>2021/7/6</a:t>
+              <a:t>2021/8/3</a:t>
             </a:fld>
             <a:endParaRPr lang="zh-CN" altLang="en-US"/>
           </a:p>
@@ -5193,7 +5303,7 @@
           <a:p>
             <a:fld id="{C6C5F860-9A75-4FF4-8005-EB40C7793953}" type="datetime1">
               <a:rPr lang="zh-CN" altLang="en-US" smtClean="0"/>
-              <a:t>2021/7/6</a:t>
+              <a:t>2021/8/3</a:t>
             </a:fld>
             <a:endParaRPr lang="zh-CN" altLang="en-US"/>
           </a:p>
@@ -6471,6 +6581,646 @@
       <p:bldP spid="11" grpId="0"/>
       <p:bldP spid="12" grpId="0"/>
       <p:bldP spid="13" grpId="0"/>
+    </p:bldLst>
+  </p:timing>
+</p:sld>
+</file>
+
+<file path=ppt/slides/slide2.xml><?xml version="1.0" encoding="utf-8"?>
+<p:sld xmlns:a="http://schemas.openxmlformats.org/drawingml/2006/main" xmlns:r="http://schemas.openxmlformats.org/officeDocument/2006/relationships" xmlns:p="http://schemas.openxmlformats.org/presentationml/2006/main">
+  <p:cSld>
+    <p:spTree>
+      <p:nvGrpSpPr>
+        <p:cNvPr id="1" name=""/>
+        <p:cNvGrpSpPr/>
+        <p:nvPr/>
+      </p:nvGrpSpPr>
+      <p:grpSpPr>
+        <a:xfrm>
+          <a:off x="0" y="0"/>
+          <a:ext cx="0" cy="0"/>
+          <a:chOff x="0" y="0"/>
+          <a:chExt cx="0" cy="0"/>
+        </a:xfrm>
+      </p:grpSpPr>
+      <p:sp>
+        <p:nvSpPr>
+          <p:cNvPr id="7" name="Title 6">
+            <a:extLst>
+              <a:ext uri="{FF2B5EF4-FFF2-40B4-BE49-F238E27FC236}">
+                <a16:creationId xmlns:a16="http://schemas.microsoft.com/office/drawing/2014/main" id="{8BF9E75D-FAA9-41BA-9D51-C4CB422CE84E}"/>
+              </a:ext>
+            </a:extLst>
+          </p:cNvPr>
+          <p:cNvSpPr>
+            <a:spLocks noGrp="1"/>
+          </p:cNvSpPr>
+          <p:nvPr>
+            <p:ph type="title"/>
+          </p:nvPr>
+        </p:nvSpPr>
+        <p:spPr>
+          <a:xfrm>
+            <a:off x="336001" y="261110"/>
+            <a:ext cx="5760000" cy="504001"/>
+          </a:xfrm>
+        </p:spPr>
+        <p:txBody>
+          <a:bodyPr>
+            <a:normAutofit/>
+          </a:bodyPr>
+          <a:lstStyle/>
+          <a:p>
+            <a:r>
+              <a:rPr lang="en-US" altLang="zh-CN" sz="2800"/>
+              <a:t>Weijiang Xiong 3</a:t>
+            </a:r>
+            <a:r>
+              <a:rPr lang="en-US" altLang="zh-CN" sz="2800" baseline="30000"/>
+              <a:t>rd</a:t>
+            </a:r>
+            <a:r>
+              <a:rPr lang="en-US" altLang="zh-CN" sz="2800"/>
+              <a:t> August 2021</a:t>
+            </a:r>
+            <a:endParaRPr lang="zh-CN" altLang="en-US" sz="2800"/>
+          </a:p>
+        </p:txBody>
+      </p:sp>
+      <p:sp>
+        <p:nvSpPr>
+          <p:cNvPr id="8" name="矩形 5">
+            <a:extLst>
+              <a:ext uri="{FF2B5EF4-FFF2-40B4-BE49-F238E27FC236}">
+                <a16:creationId xmlns:a16="http://schemas.microsoft.com/office/drawing/2014/main" id="{C4D8D94C-4BF5-4ED1-928A-AE5C68EFA322}"/>
+              </a:ext>
+            </a:extLst>
+          </p:cNvPr>
+          <p:cNvSpPr/>
+          <p:nvPr/>
+        </p:nvSpPr>
+        <p:spPr>
+          <a:xfrm>
+            <a:off x="336006" y="1081123"/>
+            <a:ext cx="6522000" cy="523220"/>
+          </a:xfrm>
+          <a:prstGeom prst="rect">
+            <a:avLst/>
+          </a:prstGeom>
+        </p:spPr>
+        <p:txBody>
+          <a:bodyPr wrap="square">
+            <a:spAutoFit/>
+          </a:bodyPr>
+          <a:lstStyle/>
+          <a:p>
+            <a:pPr marL="342891" indent="-342891">
+              <a:buFont typeface="Wingdings" panose="05000000000000000000" pitchFamily="2" charset="2"/>
+              <a:buChar char="p"/>
+            </a:pPr>
+            <a:r>
+              <a:rPr lang="en-US" altLang="zh-CN" sz="2800">
+                <a:ea typeface="黑体" panose="02010609060101010101" pitchFamily="49" charset="-122"/>
+                <a:cs typeface="Arial" pitchFamily="34" charset="0"/>
+              </a:rPr>
+              <a:t>Project Progress</a:t>
+            </a:r>
+            <a:endParaRPr lang="zh-CN" altLang="en-US" sz="2800" dirty="0">
+              <a:ea typeface="黑体" panose="02010609060101010101" pitchFamily="49" charset="-122"/>
+              <a:cs typeface="Times New Roman" panose="02020603050405020304" pitchFamily="18" charset="0"/>
+            </a:endParaRPr>
+          </a:p>
+        </p:txBody>
+      </p:sp>
+      <p:sp>
+        <p:nvSpPr>
+          <p:cNvPr id="16" name="文本框 20">
+            <a:extLst>
+              <a:ext uri="{FF2B5EF4-FFF2-40B4-BE49-F238E27FC236}">
+                <a16:creationId xmlns:a16="http://schemas.microsoft.com/office/drawing/2014/main" id="{989C3F73-AEDA-4047-98A4-3FA8F06DE2BD}"/>
+              </a:ext>
+            </a:extLst>
+          </p:cNvPr>
+          <p:cNvSpPr txBox="1"/>
+          <p:nvPr/>
+        </p:nvSpPr>
+        <p:spPr>
+          <a:xfrm>
+            <a:off x="336002" y="1672821"/>
+            <a:ext cx="10848837" cy="1200329"/>
+          </a:xfrm>
+          <a:prstGeom prst="rect">
+            <a:avLst/>
+          </a:prstGeom>
+          <a:noFill/>
+        </p:spPr>
+        <p:txBody>
+          <a:bodyPr wrap="square" rtlCol="0">
+            <a:spAutoFit/>
+          </a:bodyPr>
+          <a:lstStyle/>
+          <a:p>
+            <a:pPr marL="800100" lvl="1" indent="-342900">
+              <a:buFont typeface="Arial" panose="020B0604020202020204" pitchFamily="34" charset="0"/>
+              <a:buChar char="•"/>
+            </a:pPr>
+            <a:r>
+              <a:rPr lang="en-US" altLang="zh-CN" sz="2400">
+                <a:ea typeface="宋体" panose="02010600030101010101" pitchFamily="2" charset="-122"/>
+              </a:rPr>
+              <a:t>Got familiar with the codes of base work (Wide ResNet, iBNN)</a:t>
+            </a:r>
+          </a:p>
+          <a:p>
+            <a:pPr marL="800100" lvl="1" indent="-342900">
+              <a:buFont typeface="Arial" panose="020B0604020202020204" pitchFamily="34" charset="0"/>
+              <a:buChar char="•"/>
+            </a:pPr>
+            <a:r>
+              <a:rPr lang="en-US" altLang="zh-CN" sz="2400">
+                <a:ea typeface="宋体" panose="02010600030101010101" pitchFamily="2" charset="-122"/>
+              </a:rPr>
+              <a:t>Implemented two kinds of basic flows for iBNN-style neural networks</a:t>
+            </a:r>
+          </a:p>
+          <a:p>
+            <a:pPr marL="800100" lvl="1" indent="-342900">
+              <a:buFont typeface="Arial" panose="020B0604020202020204" pitchFamily="34" charset="0"/>
+              <a:buChar char="•"/>
+            </a:pPr>
+            <a:r>
+              <a:rPr lang="en-US" altLang="zh-CN" sz="2400">
+                <a:ea typeface="宋体" panose="02010600030101010101" pitchFamily="2" charset="-122"/>
+              </a:rPr>
+              <a:t>Experimented the effect of NF with a 2D binary classification example </a:t>
+            </a:r>
+          </a:p>
+        </p:txBody>
+      </p:sp>
+      <p:sp>
+        <p:nvSpPr>
+          <p:cNvPr id="17" name="矩形 5">
+            <a:extLst>
+              <a:ext uri="{FF2B5EF4-FFF2-40B4-BE49-F238E27FC236}">
+                <a16:creationId xmlns:a16="http://schemas.microsoft.com/office/drawing/2014/main" id="{047AC823-900B-470E-82EC-662F25F0C58F}"/>
+              </a:ext>
+            </a:extLst>
+          </p:cNvPr>
+          <p:cNvSpPr/>
+          <p:nvPr/>
+        </p:nvSpPr>
+        <p:spPr>
+          <a:xfrm>
+            <a:off x="336002" y="4545092"/>
+            <a:ext cx="6522000" cy="954107"/>
+          </a:xfrm>
+          <a:prstGeom prst="rect">
+            <a:avLst/>
+          </a:prstGeom>
+        </p:spPr>
+        <p:txBody>
+          <a:bodyPr wrap="square">
+            <a:spAutoFit/>
+          </a:bodyPr>
+          <a:lstStyle/>
+          <a:p>
+            <a:pPr marL="342891" indent="-342891">
+              <a:buFont typeface="Wingdings" panose="05000000000000000000" pitchFamily="2" charset="2"/>
+              <a:buChar char="p"/>
+            </a:pPr>
+            <a:r>
+              <a:rPr lang="en-US" altLang="zh-CN" sz="2800">
+                <a:ea typeface="黑体" panose="02010609060101010101" pitchFamily="49" charset="-122"/>
+                <a:cs typeface="Arial" pitchFamily="34" charset="0"/>
+              </a:rPr>
+              <a:t>Future Work</a:t>
+            </a:r>
+          </a:p>
+          <a:p>
+            <a:pPr marL="342891" indent="-342891">
+              <a:buFont typeface="Wingdings" panose="05000000000000000000" pitchFamily="2" charset="2"/>
+              <a:buChar char="p"/>
+            </a:pPr>
+            <a:endParaRPr lang="zh-CN" altLang="en-US" sz="2800" dirty="0">
+              <a:ea typeface="黑体" panose="02010609060101010101" pitchFamily="49" charset="-122"/>
+              <a:cs typeface="Times New Roman" panose="02020603050405020304" pitchFamily="18" charset="0"/>
+            </a:endParaRPr>
+          </a:p>
+        </p:txBody>
+      </p:sp>
+      <p:sp>
+        <p:nvSpPr>
+          <p:cNvPr id="19" name="矩形 5">
+            <a:extLst>
+              <a:ext uri="{FF2B5EF4-FFF2-40B4-BE49-F238E27FC236}">
+                <a16:creationId xmlns:a16="http://schemas.microsoft.com/office/drawing/2014/main" id="{3FA47C6B-ED7C-4F65-8776-63E99EE9D06B}"/>
+              </a:ext>
+            </a:extLst>
+          </p:cNvPr>
+          <p:cNvSpPr/>
+          <p:nvPr/>
+        </p:nvSpPr>
+        <p:spPr>
+          <a:xfrm>
+            <a:off x="336007" y="2929265"/>
+            <a:ext cx="6522000" cy="523220"/>
+          </a:xfrm>
+          <a:prstGeom prst="rect">
+            <a:avLst/>
+          </a:prstGeom>
+        </p:spPr>
+        <p:txBody>
+          <a:bodyPr wrap="square">
+            <a:spAutoFit/>
+          </a:bodyPr>
+          <a:lstStyle/>
+          <a:p>
+            <a:pPr marL="342891" indent="-342891">
+              <a:buFont typeface="Wingdings" panose="05000000000000000000" pitchFamily="2" charset="2"/>
+              <a:buChar char="p"/>
+            </a:pPr>
+            <a:r>
+              <a:rPr lang="en-US" altLang="zh-CN" sz="2800">
+                <a:ea typeface="黑体" panose="02010609060101010101" pitchFamily="49" charset="-122"/>
+                <a:cs typeface="Arial" pitchFamily="34" charset="0"/>
+              </a:rPr>
+              <a:t>Key Findings</a:t>
+            </a:r>
+            <a:endParaRPr lang="zh-CN" altLang="en-US" sz="2800" dirty="0">
+              <a:ea typeface="黑体" panose="02010609060101010101" pitchFamily="49" charset="-122"/>
+              <a:cs typeface="Times New Roman" panose="02020603050405020304" pitchFamily="18" charset="0"/>
+            </a:endParaRPr>
+          </a:p>
+        </p:txBody>
+      </p:sp>
+      <p:sp>
+        <p:nvSpPr>
+          <p:cNvPr id="20" name="文本框 20">
+            <a:extLst>
+              <a:ext uri="{FF2B5EF4-FFF2-40B4-BE49-F238E27FC236}">
+                <a16:creationId xmlns:a16="http://schemas.microsoft.com/office/drawing/2014/main" id="{73DA32EE-E959-4239-A427-8564579EE38F}"/>
+              </a:ext>
+            </a:extLst>
+          </p:cNvPr>
+          <p:cNvSpPr txBox="1"/>
+          <p:nvPr/>
+        </p:nvSpPr>
+        <p:spPr>
+          <a:xfrm>
+            <a:off x="336002" y="3452485"/>
+            <a:ext cx="10503453" cy="1200329"/>
+          </a:xfrm>
+          <a:prstGeom prst="rect">
+            <a:avLst/>
+          </a:prstGeom>
+          <a:noFill/>
+        </p:spPr>
+        <p:txBody>
+          <a:bodyPr wrap="square" rtlCol="0">
+            <a:spAutoFit/>
+          </a:bodyPr>
+          <a:lstStyle/>
+          <a:p>
+            <a:pPr marL="800100" lvl="1" indent="-342900">
+              <a:buFont typeface="Arial" panose="020B0604020202020204" pitchFamily="34" charset="0"/>
+              <a:buChar char="•"/>
+            </a:pPr>
+            <a:r>
+              <a:rPr lang="en-US" altLang="zh-CN" sz="2400">
+                <a:ea typeface="宋体" panose="02010600030101010101" pitchFamily="2" charset="-122"/>
+              </a:rPr>
+              <a:t>The flow-based model is more robust to initialization, and is better calibrated</a:t>
+            </a:r>
+          </a:p>
+          <a:p>
+            <a:pPr marL="800100" lvl="1" indent="-342900">
+              <a:buFont typeface="Arial" panose="020B0604020202020204" pitchFamily="34" charset="0"/>
+              <a:buChar char="•"/>
+            </a:pPr>
+            <a:r>
+              <a:rPr lang="en-US" altLang="zh-CN" sz="2400">
+                <a:ea typeface="宋体" panose="02010600030101010101" pitchFamily="2" charset="-122"/>
+              </a:rPr>
+              <a:t>The learned flow (if deep enough) is non-linear and contractive, compressing probability mass to one or several points</a:t>
+            </a:r>
+          </a:p>
+        </p:txBody>
+      </p:sp>
+      <p:sp>
+        <p:nvSpPr>
+          <p:cNvPr id="22" name="文本框 20">
+            <a:extLst>
+              <a:ext uri="{FF2B5EF4-FFF2-40B4-BE49-F238E27FC236}">
+                <a16:creationId xmlns:a16="http://schemas.microsoft.com/office/drawing/2014/main" id="{033B4BA5-C8E6-41AA-B984-5B5025EB0096}"/>
+              </a:ext>
+            </a:extLst>
+          </p:cNvPr>
+          <p:cNvSpPr txBox="1"/>
+          <p:nvPr/>
+        </p:nvSpPr>
+        <p:spPr>
+          <a:xfrm>
+            <a:off x="336001" y="5022145"/>
+            <a:ext cx="10848837" cy="830997"/>
+          </a:xfrm>
+          <a:prstGeom prst="rect">
+            <a:avLst/>
+          </a:prstGeom>
+          <a:noFill/>
+        </p:spPr>
+        <p:txBody>
+          <a:bodyPr wrap="square" rtlCol="0">
+            <a:spAutoFit/>
+          </a:bodyPr>
+          <a:lstStyle/>
+          <a:p>
+            <a:pPr marL="800100" lvl="1" indent="-342900">
+              <a:buFont typeface="Arial" panose="020B0604020202020204" pitchFamily="34" charset="0"/>
+              <a:buChar char="•"/>
+            </a:pPr>
+            <a:r>
+              <a:rPr lang="en-US" altLang="zh-CN" sz="2400">
+                <a:ea typeface="宋体" panose="02010600030101010101" pitchFamily="2" charset="-122"/>
+              </a:rPr>
+              <a:t>Making progress to image datasets, such as MNIST and CIFAR</a:t>
+            </a:r>
+          </a:p>
+          <a:p>
+            <a:pPr marL="800100" lvl="1" indent="-342900">
+              <a:buFont typeface="Arial" panose="020B0604020202020204" pitchFamily="34" charset="0"/>
+              <a:buChar char="•"/>
+            </a:pPr>
+            <a:r>
+              <a:rPr lang="en-US" altLang="zh-CN" sz="2400">
+                <a:ea typeface="宋体" panose="02010600030101010101" pitchFamily="2" charset="-122"/>
+              </a:rPr>
+              <a:t>Prepare for work presentation and final report</a:t>
+            </a:r>
+          </a:p>
+        </p:txBody>
+      </p:sp>
+    </p:spTree>
+    <p:extLst>
+      <p:ext uri="{BB962C8B-B14F-4D97-AF65-F5344CB8AC3E}">
+        <p14:creationId xmlns:p14="http://schemas.microsoft.com/office/powerpoint/2010/main" val="3377572381"/>
+      </p:ext>
+    </p:extLst>
+  </p:cSld>
+  <p:clrMapOvr>
+    <a:masterClrMapping/>
+  </p:clrMapOvr>
+  <p:timing>
+    <p:tnLst>
+      <p:par>
+        <p:cTn id="1" dur="indefinite" restart="never" nodeType="tmRoot">
+          <p:childTnLst>
+            <p:seq concurrent="1" nextAc="seek">
+              <p:cTn id="2" dur="indefinite" nodeType="mainSeq">
+                <p:childTnLst>
+                  <p:par>
+                    <p:cTn id="3" fill="hold">
+                      <p:stCondLst>
+                        <p:cond delay="indefinite"/>
+                      </p:stCondLst>
+                      <p:childTnLst>
+                        <p:par>
+                          <p:cTn id="4" fill="hold">
+                            <p:stCondLst>
+                              <p:cond delay="0"/>
+                            </p:stCondLst>
+                            <p:childTnLst>
+                              <p:par>
+                                <p:cTn id="5" presetID="1" presetClass="entr" presetSubtype="0" fill="hold" grpId="0" nodeType="clickEffect">
+                                  <p:stCondLst>
+                                    <p:cond delay="0"/>
+                                  </p:stCondLst>
+                                  <p:childTnLst>
+                                    <p:set>
+                                      <p:cBhvr>
+                                        <p:cTn id="6" dur="1" fill="hold">
+                                          <p:stCondLst>
+                                            <p:cond delay="0"/>
+                                          </p:stCondLst>
+                                        </p:cTn>
+                                        <p:tgtEl>
+                                          <p:spTgt spid="8"/>
+                                        </p:tgtEl>
+                                        <p:attrNameLst>
+                                          <p:attrName>style.visibility</p:attrName>
+                                        </p:attrNameLst>
+                                      </p:cBhvr>
+                                      <p:to>
+                                        <p:strVal val="visible"/>
+                                      </p:to>
+                                    </p:set>
+                                  </p:childTnLst>
+                                </p:cTn>
+                              </p:par>
+                              <p:par>
+                                <p:cTn id="7" presetID="1" presetClass="entr" presetSubtype="0" fill="hold" grpId="0" nodeType="withEffect">
+                                  <p:stCondLst>
+                                    <p:cond delay="0"/>
+                                  </p:stCondLst>
+                                  <p:childTnLst>
+                                    <p:set>
+                                      <p:cBhvr>
+                                        <p:cTn id="8" dur="1" fill="hold">
+                                          <p:stCondLst>
+                                            <p:cond delay="0"/>
+                                          </p:stCondLst>
+                                        </p:cTn>
+                                        <p:tgtEl>
+                                          <p:spTgt spid="16"/>
+                                        </p:tgtEl>
+                                        <p:attrNameLst>
+                                          <p:attrName>style.visibility</p:attrName>
+                                        </p:attrNameLst>
+                                      </p:cBhvr>
+                                      <p:to>
+                                        <p:strVal val="visible"/>
+                                      </p:to>
+                                    </p:set>
+                                  </p:childTnLst>
+                                </p:cTn>
+                              </p:par>
+                            </p:childTnLst>
+                          </p:cTn>
+                        </p:par>
+                      </p:childTnLst>
+                    </p:cTn>
+                  </p:par>
+                  <p:par>
+                    <p:cTn id="9" fill="hold">
+                      <p:stCondLst>
+                        <p:cond delay="indefinite"/>
+                      </p:stCondLst>
+                      <p:childTnLst>
+                        <p:par>
+                          <p:cTn id="10" fill="hold">
+                            <p:stCondLst>
+                              <p:cond delay="0"/>
+                            </p:stCondLst>
+                            <p:childTnLst>
+                              <p:par>
+                                <p:cTn id="11" presetID="1" presetClass="entr" presetSubtype="0" fill="hold" grpId="0" nodeType="clickEffect">
+                                  <p:stCondLst>
+                                    <p:cond delay="0"/>
+                                  </p:stCondLst>
+                                  <p:childTnLst>
+                                    <p:set>
+                                      <p:cBhvr>
+                                        <p:cTn id="12" dur="1" fill="hold">
+                                          <p:stCondLst>
+                                            <p:cond delay="0"/>
+                                          </p:stCondLst>
+                                        </p:cTn>
+                                        <p:tgtEl>
+                                          <p:spTgt spid="17"/>
+                                        </p:tgtEl>
+                                        <p:attrNameLst>
+                                          <p:attrName>style.visibility</p:attrName>
+                                        </p:attrNameLst>
+                                      </p:cBhvr>
+                                      <p:to>
+                                        <p:strVal val="visible"/>
+                                      </p:to>
+                                    </p:set>
+                                  </p:childTnLst>
+                                </p:cTn>
+                              </p:par>
+                            </p:childTnLst>
+                          </p:cTn>
+                        </p:par>
+                      </p:childTnLst>
+                    </p:cTn>
+                  </p:par>
+                  <p:par>
+                    <p:cTn id="13" fill="hold">
+                      <p:stCondLst>
+                        <p:cond delay="indefinite"/>
+                      </p:stCondLst>
+                      <p:childTnLst>
+                        <p:par>
+                          <p:cTn id="14" fill="hold">
+                            <p:stCondLst>
+                              <p:cond delay="0"/>
+                            </p:stCondLst>
+                            <p:childTnLst>
+                              <p:par>
+                                <p:cTn id="15" presetID="1" presetClass="entr" presetSubtype="0" fill="hold" grpId="0" nodeType="clickEffect">
+                                  <p:stCondLst>
+                                    <p:cond delay="0"/>
+                                  </p:stCondLst>
+                                  <p:childTnLst>
+                                    <p:set>
+                                      <p:cBhvr>
+                                        <p:cTn id="16" dur="1" fill="hold">
+                                          <p:stCondLst>
+                                            <p:cond delay="0"/>
+                                          </p:stCondLst>
+                                        </p:cTn>
+                                        <p:tgtEl>
+                                          <p:spTgt spid="19"/>
+                                        </p:tgtEl>
+                                        <p:attrNameLst>
+                                          <p:attrName>style.visibility</p:attrName>
+                                        </p:attrNameLst>
+                                      </p:cBhvr>
+                                      <p:to>
+                                        <p:strVal val="visible"/>
+                                      </p:to>
+                                    </p:set>
+                                  </p:childTnLst>
+                                </p:cTn>
+                              </p:par>
+                              <p:par>
+                                <p:cTn id="17" presetID="1" presetClass="entr" presetSubtype="0" fill="hold" grpId="0" nodeType="withEffect">
+                                  <p:stCondLst>
+                                    <p:cond delay="0"/>
+                                  </p:stCondLst>
+                                  <p:childTnLst>
+                                    <p:set>
+                                      <p:cBhvr>
+                                        <p:cTn id="18" dur="1" fill="hold">
+                                          <p:stCondLst>
+                                            <p:cond delay="0"/>
+                                          </p:stCondLst>
+                                        </p:cTn>
+                                        <p:tgtEl>
+                                          <p:spTgt spid="20"/>
+                                        </p:tgtEl>
+                                        <p:attrNameLst>
+                                          <p:attrName>style.visibility</p:attrName>
+                                        </p:attrNameLst>
+                                      </p:cBhvr>
+                                      <p:to>
+                                        <p:strVal val="visible"/>
+                                      </p:to>
+                                    </p:set>
+                                  </p:childTnLst>
+                                </p:cTn>
+                              </p:par>
+                              <p:par>
+                                <p:cTn id="19" presetID="1" presetClass="entr" presetSubtype="0" fill="hold" grpId="0" nodeType="withEffect">
+                                  <p:stCondLst>
+                                    <p:cond delay="0"/>
+                                  </p:stCondLst>
+                                  <p:childTnLst>
+                                    <p:set>
+                                      <p:cBhvr>
+                                        <p:cTn id="20" dur="1" fill="hold">
+                                          <p:stCondLst>
+                                            <p:cond delay="0"/>
+                                          </p:stCondLst>
+                                        </p:cTn>
+                                        <p:tgtEl>
+                                          <p:spTgt spid="22"/>
+                                        </p:tgtEl>
+                                        <p:attrNameLst>
+                                          <p:attrName>style.visibility</p:attrName>
+                                        </p:attrNameLst>
+                                      </p:cBhvr>
+                                      <p:to>
+                                        <p:strVal val="visible"/>
+                                      </p:to>
+                                    </p:set>
+                                  </p:childTnLst>
+                                </p:cTn>
+                              </p:par>
+                            </p:childTnLst>
+                          </p:cTn>
+                        </p:par>
+                      </p:childTnLst>
+                    </p:cTn>
+                  </p:par>
+                </p:childTnLst>
+              </p:cTn>
+              <p:prevCondLst>
+                <p:cond evt="onPrev" delay="0">
+                  <p:tgtEl>
+                    <p:sldTgt/>
+                  </p:tgtEl>
+                </p:cond>
+              </p:prevCondLst>
+              <p:nextCondLst>
+                <p:cond evt="onNext" delay="0">
+                  <p:tgtEl>
+                    <p:sldTgt/>
+                  </p:tgtEl>
+                </p:cond>
+              </p:nextCondLst>
+            </p:seq>
+          </p:childTnLst>
+        </p:cTn>
+      </p:par>
+    </p:tnLst>
+    <p:bldLst>
+      <p:bldP spid="8" grpId="0"/>
+      <p:bldP spid="16" grpId="0"/>
+      <p:bldP spid="17" grpId="0"/>
+      <p:bldP spid="19" grpId="0"/>
+      <p:bldP spid="20" grpId="0"/>
+      <p:bldP spid="22" grpId="0"/>
     </p:bldLst>
   </p:timing>
 </p:sld>

--- a/updates/monthly briefing.pptx
+++ b/updates/monthly briefing.pptx
@@ -655,7 +655,7 @@
           <a:p>
             <a:fld id="{15CBCB9E-4686-42C2-8C94-4194A3E02D2B}" type="datetimeFigureOut">
               <a:rPr lang="zh-CN" altLang="en-US" smtClean="0"/>
-              <a:t>2021/8/3</a:t>
+              <a:t>2021/8/16</a:t>
             </a:fld>
             <a:endParaRPr lang="zh-CN" altLang="en-US"/>
           </a:p>
@@ -833,7 +833,7 @@
           <a:p>
             <a:fld id="{DAF7020D-062E-41BC-A699-A7B3427D8CC2}" type="datetimeFigureOut">
               <a:rPr lang="zh-CN" altLang="en-US" smtClean="0"/>
-              <a:t>2021/8/3</a:t>
+              <a:t>2021/8/16</a:t>
             </a:fld>
             <a:endParaRPr lang="zh-CN" altLang="en-US"/>
           </a:p>
@@ -1714,7 +1714,7 @@
           <a:p>
             <a:fld id="{9526F0DF-4F7D-45BB-8031-9F31D689A563}" type="datetime1">
               <a:rPr lang="zh-CN" altLang="en-US" smtClean="0"/>
-              <a:t>2021/8/3</a:t>
+              <a:t>2021/8/16</a:t>
             </a:fld>
             <a:endParaRPr lang="zh-CN" altLang="en-US"/>
           </a:p>
@@ -2030,7 +2030,7 @@
           <a:p>
             <a:fld id="{EEA1DC77-00A0-464D-B8C9-5C6548747175}" type="datetime1">
               <a:rPr lang="zh-CN" altLang="en-US" smtClean="0"/>
-              <a:t>2021/8/3</a:t>
+              <a:t>2021/8/16</a:t>
             </a:fld>
             <a:endParaRPr lang="zh-CN" altLang="en-US"/>
           </a:p>
@@ -2322,7 +2322,7 @@
           <a:p>
             <a:fld id="{E35A4A95-1258-44CF-BB30-0A44978B7FDD}" type="datetime1">
               <a:rPr lang="zh-CN" altLang="en-US" smtClean="0"/>
-              <a:t>2021/8/3</a:t>
+              <a:t>2021/8/16</a:t>
             </a:fld>
             <a:endParaRPr lang="zh-CN" altLang="en-US"/>
           </a:p>
@@ -2524,7 +2524,7 @@
           <a:p>
             <a:fld id="{F240270F-30DA-4AA2-A8F1-1F8794956E53}" type="datetime1">
               <a:rPr lang="zh-CN" altLang="en-US" smtClean="0"/>
-              <a:t>2021/8/3</a:t>
+              <a:t>2021/8/16</a:t>
             </a:fld>
             <a:endParaRPr lang="zh-CN" altLang="en-US"/>
           </a:p>
@@ -2736,7 +2736,7 @@
           <a:p>
             <a:fld id="{E03DA1DA-60C1-4500-A6B7-86425CD1E958}" type="datetime1">
               <a:rPr lang="zh-CN" altLang="en-US" smtClean="0"/>
-              <a:t>2021/8/3</a:t>
+              <a:t>2021/8/16</a:t>
             </a:fld>
             <a:endParaRPr lang="zh-CN" altLang="en-US"/>
           </a:p>
@@ -3065,7 +3065,7 @@
           <a:p>
             <a:fld id="{CB4AE09D-3589-47A6-8E15-1B2517220F81}" type="datetime1">
               <a:rPr lang="zh-CN" altLang="en-US" smtClean="0"/>
-              <a:t>2021/8/3</a:t>
+              <a:t>2021/8/16</a:t>
             </a:fld>
             <a:endParaRPr lang="zh-CN" altLang="en-US"/>
           </a:p>
@@ -3500,7 +3500,7 @@
           <a:p>
             <a:fld id="{D5AD736E-CB6A-4B61-9AFD-177BD209CA76}" type="datetime1">
               <a:rPr lang="zh-CN" altLang="en-US" smtClean="0"/>
-              <a:t>2021/8/3</a:t>
+              <a:t>2021/8/16</a:t>
             </a:fld>
             <a:endParaRPr lang="zh-CN" altLang="en-US"/>
           </a:p>
@@ -3830,7 +3830,7 @@
           <a:p>
             <a:fld id="{9B28CCFD-DF15-4082-8AFA-91AE4CC6C79E}" type="datetime1">
               <a:rPr lang="zh-CN" altLang="en-US" smtClean="0"/>
-              <a:t>2021/8/3</a:t>
+              <a:t>2021/8/16</a:t>
             </a:fld>
             <a:endParaRPr lang="zh-CN" altLang="en-US"/>
           </a:p>
@@ -4110,7 +4110,7 @@
           <a:p>
             <a:fld id="{8ACCD399-DC94-480F-85C2-A7E6597740B5}" type="datetime1">
               <a:rPr lang="zh-CN" altLang="en-US" smtClean="0"/>
-              <a:t>2021/8/3</a:t>
+              <a:t>2021/8/16</a:t>
             </a:fld>
             <a:endParaRPr lang="zh-CN" altLang="en-US"/>
           </a:p>
@@ -4380,7 +4380,7 @@
           <a:p>
             <a:fld id="{241E1B88-A856-49B1-AD5B-08F0C4D9A985}" type="datetime1">
               <a:rPr lang="zh-CN" altLang="en-US" smtClean="0"/>
-              <a:t>2021/8/3</a:t>
+              <a:t>2021/8/16</a:t>
             </a:fld>
             <a:endParaRPr lang="zh-CN" altLang="en-US"/>
           </a:p>
@@ -4796,7 +4796,7 @@
           <a:p>
             <a:fld id="{5518B46C-EA3D-4817-9A43-8700996DCE0C}" type="datetime1">
               <a:rPr lang="zh-CN" altLang="en-US" smtClean="0"/>
-              <a:t>2021/8/3</a:t>
+              <a:t>2021/8/16</a:t>
             </a:fld>
             <a:endParaRPr lang="zh-CN" altLang="en-US"/>
           </a:p>
@@ -4941,7 +4941,7 @@
           <a:p>
             <a:fld id="{0A13A69B-604B-4517-97AD-C3A3F4930BFA}" type="datetime1">
               <a:rPr lang="zh-CN" altLang="en-US" smtClean="0"/>
-              <a:t>2021/8/3</a:t>
+              <a:t>2021/8/16</a:t>
             </a:fld>
             <a:endParaRPr lang="zh-CN" altLang="en-US"/>
           </a:p>
@@ -5058,7 +5058,7 @@
           <a:p>
             <a:fld id="{B2ED270F-A2B7-43F3-BE9C-CFCBA29B2974}" type="datetime1">
               <a:rPr lang="zh-CN" altLang="en-US" smtClean="0"/>
-              <a:t>2021/8/3</a:t>
+              <a:t>2021/8/16</a:t>
             </a:fld>
             <a:endParaRPr lang="zh-CN" altLang="en-US"/>
           </a:p>
@@ -5303,7 +5303,7 @@
           <a:p>
             <a:fld id="{C6C5F860-9A75-4FF4-8005-EB40C7793953}" type="datetime1">
               <a:rPr lang="zh-CN" altLang="en-US" smtClean="0"/>
-              <a:t>2021/8/3</a:t>
+              <a:t>2021/8/16</a:t>
             </a:fld>
             <a:endParaRPr lang="zh-CN" altLang="en-US"/>
           </a:p>
@@ -6771,7 +6771,7 @@
         </p:nvSpPr>
         <p:spPr>
           <a:xfrm>
-            <a:off x="336002" y="4545092"/>
+            <a:off x="336002" y="4615430"/>
             <a:ext cx="6522000" cy="954107"/>
           </a:xfrm>
           <a:prstGeom prst="rect">
@@ -6920,7 +6920,7 @@
         </p:nvSpPr>
         <p:spPr>
           <a:xfrm>
-            <a:off x="336001" y="5022145"/>
+            <a:off x="336001" y="5092483"/>
             <a:ext cx="10848837" cy="830997"/>
           </a:xfrm>
           <a:prstGeom prst="rect">
